--- a/功能展示.pptx
+++ b/功能展示.pptx
@@ -10006,7 +10006,7 @@
         <p:spPr>
           <a:xfrm>
             <a:off x="596900" y="476250"/>
-            <a:ext cx="8404860" cy="822960"/>
+            <a:ext cx="8404860" cy="829945"/>
           </a:xfrm>
           <a:prstGeom prst="rect">
             <a:avLst/>
@@ -10040,7 +10040,7 @@
                 <a:latin typeface="华文彩云" panose="02010800040101010101" charset="-122"/>
                 <a:ea typeface="华文彩云" panose="02010800040101010101" charset="-122"/>
               </a:rPr>
-              <a:t>武昌工学院——信息工程学院</a:t>
+              <a:t>信息工程学院</a:t>
             </a:r>
             <a:endParaRPr lang="zh-CN" altLang="en-US" sz="4800" b="1" dirty="0">
               <a:ln w="22225">
